--- a/doc/results_20140303/results_20140303.pptx
+++ b/doc/results_20140303/results_20140303.pptx
@@ -11,9 +11,11 @@
     <p:sldId id="261" r:id="rId5"/>
     <p:sldId id="259" r:id="rId6"/>
     <p:sldId id="260" r:id="rId7"/>
+    <p:sldId id="262" r:id="rId8"/>
+    <p:sldId id="263" r:id="rId9"/>
   </p:sldIdLst>
   <p:sldSz cx="9144000" cy="6858000" type="screen4x3"/>
-  <p:notesSz cx="6858000" cy="9144000"/>
+  <p:notesSz cx="6997700" cy="9283700"/>
   <p:defaultTextStyle>
     <a:defPPr>
       <a:defRPr lang="en-US"/>
@@ -294,7 +296,7 @@
             <a:fld id="{1D8BD707-D9CF-40AE-B4C6-C98DA3205C09}" type="datetimeFigureOut">
               <a:rPr lang="en-US" smtClean="0"/>
               <a:pPr/>
-              <a:t>3/3/2014</a:t>
+              <a:t>3/4/2014</a:t>
             </a:fld>
             <a:endParaRPr lang="en-US"/>
           </a:p>
@@ -461,7 +463,7 @@
             <a:fld id="{1D8BD707-D9CF-40AE-B4C6-C98DA3205C09}" type="datetimeFigureOut">
               <a:rPr lang="en-US" smtClean="0"/>
               <a:pPr/>
-              <a:t>3/3/2014</a:t>
+              <a:t>3/4/2014</a:t>
             </a:fld>
             <a:endParaRPr lang="en-US"/>
           </a:p>
@@ -638,7 +640,7 @@
             <a:fld id="{1D8BD707-D9CF-40AE-B4C6-C98DA3205C09}" type="datetimeFigureOut">
               <a:rPr lang="en-US" smtClean="0"/>
               <a:pPr/>
-              <a:t>3/3/2014</a:t>
+              <a:t>3/4/2014</a:t>
             </a:fld>
             <a:endParaRPr lang="en-US"/>
           </a:p>
@@ -805,7 +807,7 @@
             <a:fld id="{1D8BD707-D9CF-40AE-B4C6-C98DA3205C09}" type="datetimeFigureOut">
               <a:rPr lang="en-US" smtClean="0"/>
               <a:pPr/>
-              <a:t>3/3/2014</a:t>
+              <a:t>3/4/2014</a:t>
             </a:fld>
             <a:endParaRPr lang="en-US"/>
           </a:p>
@@ -1048,7 +1050,7 @@
             <a:fld id="{1D8BD707-D9CF-40AE-B4C6-C98DA3205C09}" type="datetimeFigureOut">
               <a:rPr lang="en-US" smtClean="0"/>
               <a:pPr/>
-              <a:t>3/3/2014</a:t>
+              <a:t>3/4/2014</a:t>
             </a:fld>
             <a:endParaRPr lang="en-US"/>
           </a:p>
@@ -1333,7 +1335,7 @@
             <a:fld id="{1D8BD707-D9CF-40AE-B4C6-C98DA3205C09}" type="datetimeFigureOut">
               <a:rPr lang="en-US" smtClean="0"/>
               <a:pPr/>
-              <a:t>3/3/2014</a:t>
+              <a:t>3/4/2014</a:t>
             </a:fld>
             <a:endParaRPr lang="en-US"/>
           </a:p>
@@ -1752,7 +1754,7 @@
             <a:fld id="{1D8BD707-D9CF-40AE-B4C6-C98DA3205C09}" type="datetimeFigureOut">
               <a:rPr lang="en-US" smtClean="0"/>
               <a:pPr/>
-              <a:t>3/3/2014</a:t>
+              <a:t>3/4/2014</a:t>
             </a:fld>
             <a:endParaRPr lang="en-US"/>
           </a:p>
@@ -1867,7 +1869,7 @@
             <a:fld id="{1D8BD707-D9CF-40AE-B4C6-C98DA3205C09}" type="datetimeFigureOut">
               <a:rPr lang="en-US" smtClean="0"/>
               <a:pPr/>
-              <a:t>3/3/2014</a:t>
+              <a:t>3/4/2014</a:t>
             </a:fld>
             <a:endParaRPr lang="en-US"/>
           </a:p>
@@ -1959,7 +1961,7 @@
             <a:fld id="{1D8BD707-D9CF-40AE-B4C6-C98DA3205C09}" type="datetimeFigureOut">
               <a:rPr lang="en-US" smtClean="0"/>
               <a:pPr/>
-              <a:t>3/3/2014</a:t>
+              <a:t>3/4/2014</a:t>
             </a:fld>
             <a:endParaRPr lang="en-US"/>
           </a:p>
@@ -2233,7 +2235,7 @@
             <a:fld id="{1D8BD707-D9CF-40AE-B4C6-C98DA3205C09}" type="datetimeFigureOut">
               <a:rPr lang="en-US" smtClean="0"/>
               <a:pPr/>
-              <a:t>3/3/2014</a:t>
+              <a:t>3/4/2014</a:t>
             </a:fld>
             <a:endParaRPr lang="en-US"/>
           </a:p>
@@ -2483,7 +2485,7 @@
             <a:fld id="{1D8BD707-D9CF-40AE-B4C6-C98DA3205C09}" type="datetimeFigureOut">
               <a:rPr lang="en-US" smtClean="0"/>
               <a:pPr/>
-              <a:t>3/3/2014</a:t>
+              <a:t>3/4/2014</a:t>
             </a:fld>
             <a:endParaRPr lang="en-US"/>
           </a:p>
@@ -2693,7 +2695,7 @@
             <a:fld id="{1D8BD707-D9CF-40AE-B4C6-C98DA3205C09}" type="datetimeFigureOut">
               <a:rPr lang="en-US" smtClean="0"/>
               <a:pPr/>
-              <a:t>3/3/2014</a:t>
+              <a:t>3/4/2014</a:t>
             </a:fld>
             <a:endParaRPr lang="en-US"/>
           </a:p>
@@ -3846,12 +3848,8 @@
           <a:lstStyle/>
           <a:p>
             <a:r>
-              <a:rPr lang="en-US" sz="2000" smtClean="0"/>
-              <a:t>2. San </a:t>
-            </a:r>
-            <a:r>
               <a:rPr lang="en-US" sz="2000" dirty="0" smtClean="0"/>
-              <a:t>Francisco</a:t>
+              <a:t>2. San Francisco</a:t>
             </a:r>
           </a:p>
           <a:p>
@@ -3951,6 +3949,210 @@
     <p:extLst>
       <p:ext uri="{BB962C8B-B14F-4D97-AF65-F5344CB8AC3E}">
         <p14:creationId xmlns:p14="http://schemas.microsoft.com/office/powerpoint/2010/main" val="2800429074"/>
+      </p:ext>
+    </p:extLst>
+  </p:cSld>
+  <p:clrMapOvr>
+    <a:masterClrMapping/>
+  </p:clrMapOvr>
+</p:sld>
+</file>
+
+<file path=ppt/slides/slide7.xml><?xml version="1.0" encoding="utf-8"?>
+<p:sld xmlns:a="http://schemas.openxmlformats.org/drawingml/2006/main" xmlns:r="http://schemas.openxmlformats.org/officeDocument/2006/relationships" xmlns:p="http://schemas.openxmlformats.org/presentationml/2006/main">
+  <p:cSld>
+    <p:spTree>
+      <p:nvGrpSpPr>
+        <p:cNvPr id="1" name=""/>
+        <p:cNvGrpSpPr/>
+        <p:nvPr/>
+      </p:nvGrpSpPr>
+      <p:grpSpPr>
+        <a:xfrm>
+          <a:off x="0" y="0"/>
+          <a:ext cx="0" cy="0"/>
+          <a:chOff x="0" y="0"/>
+          <a:chExt cx="0" cy="0"/>
+        </a:xfrm>
+      </p:grpSpPr>
+      <p:sp>
+        <p:nvSpPr>
+          <p:cNvPr id="3" name="TextBox 2"/>
+          <p:cNvSpPr txBox="1"/>
+          <p:nvPr/>
+        </p:nvSpPr>
+        <p:spPr>
+          <a:xfrm>
+            <a:off x="-1" y="5488"/>
+            <a:ext cx="2743123" cy="707886"/>
+          </a:xfrm>
+          <a:prstGeom prst="rect">
+            <a:avLst/>
+          </a:prstGeom>
+          <a:noFill/>
+        </p:spPr>
+        <p:txBody>
+          <a:bodyPr wrap="none" rtlCol="0">
+            <a:spAutoFit/>
+          </a:bodyPr>
+          <a:lstStyle/>
+          <a:p>
+            <a:r>
+              <a:rPr lang="en-US" sz="2000" dirty="0" smtClean="0"/>
+              <a:t>3. London</a:t>
+            </a:r>
+          </a:p>
+          <a:p>
+            <a:r>
+              <a:rPr lang="en-US" sz="2000" dirty="0" smtClean="0"/>
+              <a:t>kde_feature_london.xml</a:t>
+            </a:r>
+            <a:endParaRPr lang="en-US" sz="2000" dirty="0"/>
+          </a:p>
+        </p:txBody>
+      </p:sp>
+      <p:pic>
+        <p:nvPicPr>
+          <p:cNvPr id="2" name="Picture 2"/>
+          <p:cNvPicPr>
+            <a:picLocks noChangeAspect="1" noChangeArrowheads="1"/>
+          </p:cNvPicPr>
+          <p:nvPr/>
+        </p:nvPicPr>
+        <p:blipFill>
+          <a:blip r:embed="rId2">
+            <a:extLst>
+              <a:ext uri="{28A0092B-C50C-407E-A947-70E740481C1C}">
+                <a14:useLocalDpi xmlns:a14="http://schemas.microsoft.com/office/drawing/2010/main" val="0"/>
+              </a:ext>
+            </a:extLst>
+          </a:blip>
+          <a:srcRect/>
+          <a:stretch>
+            <a:fillRect/>
+          </a:stretch>
+        </p:blipFill>
+        <p:spPr bwMode="auto">
+          <a:xfrm>
+            <a:off x="1319848" y="1524000"/>
+            <a:ext cx="6223952" cy="5101012"/>
+          </a:xfrm>
+          <a:prstGeom prst="rect">
+            <a:avLst/>
+          </a:prstGeom>
+          <a:noFill/>
+          <a:ln>
+            <a:noFill/>
+          </a:ln>
+          <a:extLst>
+            <a:ext uri="{909E8E84-426E-40DD-AFC4-6F175D3DCCD1}">
+              <a14:hiddenFill xmlns:a14="http://schemas.microsoft.com/office/drawing/2010/main">
+                <a:solidFill>
+                  <a:schemeClr val="accent1"/>
+                </a:solidFill>
+              </a14:hiddenFill>
+            </a:ext>
+            <a:ext uri="{91240B29-F687-4F45-9708-019B960494DF}">
+              <a14:hiddenLine xmlns:a14="http://schemas.microsoft.com/office/drawing/2010/main" w="9525">
+                <a:solidFill>
+                  <a:schemeClr val="tx1"/>
+                </a:solidFill>
+                <a:miter lim="800000"/>
+                <a:headEnd/>
+                <a:tailEnd/>
+              </a14:hiddenLine>
+            </a:ext>
+          </a:extLst>
+        </p:spPr>
+      </p:pic>
+    </p:spTree>
+    <p:extLst>
+      <p:ext uri="{BB962C8B-B14F-4D97-AF65-F5344CB8AC3E}">
+        <p14:creationId xmlns:p14="http://schemas.microsoft.com/office/powerpoint/2010/main" val="626406667"/>
+      </p:ext>
+    </p:extLst>
+  </p:cSld>
+  <p:clrMapOvr>
+    <a:masterClrMapping/>
+  </p:clrMapOvr>
+</p:sld>
+</file>
+
+<file path=ppt/slides/slide8.xml><?xml version="1.0" encoding="utf-8"?>
+<p:sld xmlns:a="http://schemas.openxmlformats.org/drawingml/2006/main" xmlns:r="http://schemas.openxmlformats.org/officeDocument/2006/relationships" xmlns:p="http://schemas.openxmlformats.org/presentationml/2006/main">
+  <p:cSld>
+    <p:spTree>
+      <p:nvGrpSpPr>
+        <p:cNvPr id="1" name=""/>
+        <p:cNvGrpSpPr/>
+        <p:nvPr/>
+      </p:nvGrpSpPr>
+      <p:grpSpPr>
+        <a:xfrm>
+          <a:off x="0" y="0"/>
+          <a:ext cx="0" cy="0"/>
+          <a:chOff x="0" y="0"/>
+          <a:chExt cx="0" cy="0"/>
+        </a:xfrm>
+      </p:grpSpPr>
+      <p:pic>
+        <p:nvPicPr>
+          <p:cNvPr id="1027" name="Picture 3"/>
+          <p:cNvPicPr>
+            <a:picLocks noChangeAspect="1" noChangeArrowheads="1"/>
+          </p:cNvPicPr>
+          <p:nvPr/>
+        </p:nvPicPr>
+        <p:blipFill>
+          <a:blip r:embed="rId2">
+            <a:extLst>
+              <a:ext uri="{28A0092B-C50C-407E-A947-70E740481C1C}">
+                <a14:useLocalDpi xmlns:a14="http://schemas.microsoft.com/office/drawing/2010/main" val="0"/>
+              </a:ext>
+            </a:extLst>
+          </a:blip>
+          <a:srcRect/>
+          <a:stretch>
+            <a:fillRect/>
+          </a:stretch>
+        </p:blipFill>
+        <p:spPr bwMode="auto">
+          <a:xfrm>
+            <a:off x="1371600" y="736648"/>
+            <a:ext cx="6100914" cy="6121352"/>
+          </a:xfrm>
+          <a:prstGeom prst="rect">
+            <a:avLst/>
+          </a:prstGeom>
+          <a:noFill/>
+          <a:ln>
+            <a:noFill/>
+          </a:ln>
+          <a:extLst>
+            <a:ext uri="{909E8E84-426E-40DD-AFC4-6F175D3DCCD1}">
+              <a14:hiddenFill xmlns:a14="http://schemas.microsoft.com/office/drawing/2010/main">
+                <a:solidFill>
+                  <a:schemeClr val="accent1"/>
+                </a:solidFill>
+              </a14:hiddenFill>
+            </a:ext>
+            <a:ext uri="{91240B29-F687-4F45-9708-019B960494DF}">
+              <a14:hiddenLine xmlns:a14="http://schemas.microsoft.com/office/drawing/2010/main" w="9525">
+                <a:solidFill>
+                  <a:schemeClr val="tx1"/>
+                </a:solidFill>
+                <a:miter lim="800000"/>
+                <a:headEnd/>
+                <a:tailEnd/>
+              </a14:hiddenLine>
+            </a:ext>
+          </a:extLst>
+        </p:spPr>
+      </p:pic>
+    </p:spTree>
+    <p:extLst>
+      <p:ext uri="{BB962C8B-B14F-4D97-AF65-F5344CB8AC3E}">
+        <p14:creationId xmlns:p14="http://schemas.microsoft.com/office/powerpoint/2010/main" val="880878711"/>
       </p:ext>
     </p:extLst>
   </p:cSld>
